--- a/doc/masters/proxied.pptx
+++ b/doc/masters/proxied.pptx
@@ -1,6 +1,6 @@
 
 <file path=ppt/presentation.xml><?xml version="1.0" encoding="utf-8"?>
-<p:presentation xmlns:a="http://schemas.openxmlformats.org/drawingml/2006/main" xmlns:r="http://schemas.openxmlformats.org/officeDocument/2006/relationships" xmlns:mc="http://schemas.openxmlformats.org/markup-compatibility/2006" xmlns:mv="urn:schemas-microsoft-com:mac:vml" xmlns:p="http://schemas.openxmlformats.org/presentationml/2006/main" mc:Ignorable="mv" mc:PreserveAttributes="mv:*" saveSubsetFonts="1" autoCompressPictures="0">
+<p:presentation xmlns:a="http://schemas.openxmlformats.org/drawingml/2006/main" xmlns:r="http://schemas.openxmlformats.org/officeDocument/2006/relationships" xmlns:p="http://schemas.openxmlformats.org/presentationml/2006/main" saveSubsetFonts="1" autoCompressPictures="0">
   <p:sldMasterIdLst>
     <p:sldMasterId id="2147483648" r:id="rId1"/>
   </p:sldMasterIdLst>
@@ -104,11 +104,27 @@
       </a:defRPr>
     </a:lvl9pPr>
   </p:defaultTextStyle>
+  <p:extLst>
+    <p:ext uri="{EFAFB233-063F-42B5-8137-9DF3F51BA10A}">
+      <p15:sldGuideLst xmlns:p15="http://schemas.microsoft.com/office/powerpoint/2012/main">
+        <p15:guide id="1" orient="horz" pos="2160">
+          <p15:clr>
+            <a:srgbClr val="A4A3A4"/>
+          </p15:clr>
+        </p15:guide>
+        <p15:guide id="2" pos="2880">
+          <p15:clr>
+            <a:srgbClr val="A4A3A4"/>
+          </p15:clr>
+        </p15:guide>
+      </p15:sldGuideLst>
+    </p:ext>
+  </p:extLst>
 </p:presentation>
 </file>
 
 <file path=ppt/slideLayouts/slideLayout1.xml><?xml version="1.0" encoding="utf-8"?>
-<p:sldLayout xmlns:a="http://schemas.openxmlformats.org/drawingml/2006/main" xmlns:r="http://schemas.openxmlformats.org/officeDocument/2006/relationships" xmlns:mc="http://schemas.openxmlformats.org/markup-compatibility/2006" xmlns:mv="urn:schemas-microsoft-com:mac:vml" xmlns:p="http://schemas.openxmlformats.org/presentationml/2006/main" mc:Ignorable="mv" mc:PreserveAttributes="mv:*" type="title" preserve="1">
+<p:sldLayout xmlns:a="http://schemas.openxmlformats.org/drawingml/2006/main" xmlns:r="http://schemas.openxmlformats.org/officeDocument/2006/relationships" xmlns:p="http://schemas.openxmlformats.org/presentationml/2006/main" type="title" preserve="1">
   <p:cSld name="Title Slide">
     <p:spTree>
       <p:nvGrpSpPr>
@@ -289,7 +305,7 @@
             <a:fld id="{78D16887-BF89-964C-82CA-0F55FAC85E20}" type="datetimeFigureOut">
               <a:rPr lang="en-US" smtClean="0"/>
               <a:pPr/>
-              <a:t>3/12/09</a:t>
+              <a:t>12/13/18</a:t>
             </a:fld>
             <a:endParaRPr lang="en-US"/>
           </a:p>
@@ -347,7 +363,7 @@
 </file>
 
 <file path=ppt/slideLayouts/slideLayout10.xml><?xml version="1.0" encoding="utf-8"?>
-<p:sldLayout xmlns:a="http://schemas.openxmlformats.org/drawingml/2006/main" xmlns:r="http://schemas.openxmlformats.org/officeDocument/2006/relationships" xmlns:mc="http://schemas.openxmlformats.org/markup-compatibility/2006" xmlns:mv="urn:schemas-microsoft-com:mac:vml" xmlns:p="http://schemas.openxmlformats.org/presentationml/2006/main" mc:Ignorable="mv" mc:PreserveAttributes="mv:*" type="vertTx" preserve="1">
+<p:sldLayout xmlns:a="http://schemas.openxmlformats.org/drawingml/2006/main" xmlns:r="http://schemas.openxmlformats.org/officeDocument/2006/relationships" xmlns:p="http://schemas.openxmlformats.org/presentationml/2006/main" type="vertTx" preserve="1">
   <p:cSld name="Title and Vertical Text">
     <p:spTree>
       <p:nvGrpSpPr>
@@ -456,7 +472,7 @@
             <a:fld id="{78D16887-BF89-964C-82CA-0F55FAC85E20}" type="datetimeFigureOut">
               <a:rPr lang="en-US" smtClean="0"/>
               <a:pPr/>
-              <a:t>3/12/09</a:t>
+              <a:t>12/13/18</a:t>
             </a:fld>
             <a:endParaRPr lang="en-US"/>
           </a:p>
@@ -514,7 +530,7 @@
 </file>
 
 <file path=ppt/slideLayouts/slideLayout11.xml><?xml version="1.0" encoding="utf-8"?>
-<p:sldLayout xmlns:a="http://schemas.openxmlformats.org/drawingml/2006/main" xmlns:r="http://schemas.openxmlformats.org/officeDocument/2006/relationships" xmlns:mc="http://schemas.openxmlformats.org/markup-compatibility/2006" xmlns:mv="urn:schemas-microsoft-com:mac:vml" xmlns:p="http://schemas.openxmlformats.org/presentationml/2006/main" mc:Ignorable="mv" mc:PreserveAttributes="mv:*" type="vertTitleAndTx" preserve="1">
+<p:sldLayout xmlns:a="http://schemas.openxmlformats.org/drawingml/2006/main" xmlns:r="http://schemas.openxmlformats.org/officeDocument/2006/relationships" xmlns:p="http://schemas.openxmlformats.org/presentationml/2006/main" type="vertTitleAndTx" preserve="1">
   <p:cSld name="Vertical Title and Text">
     <p:spTree>
       <p:nvGrpSpPr>
@@ -633,7 +649,7 @@
             <a:fld id="{78D16887-BF89-964C-82CA-0F55FAC85E20}" type="datetimeFigureOut">
               <a:rPr lang="en-US" smtClean="0"/>
               <a:pPr/>
-              <a:t>3/12/09</a:t>
+              <a:t>12/13/18</a:t>
             </a:fld>
             <a:endParaRPr lang="en-US"/>
           </a:p>
@@ -691,7 +707,7 @@
 </file>
 
 <file path=ppt/slideLayouts/slideLayout2.xml><?xml version="1.0" encoding="utf-8"?>
-<p:sldLayout xmlns:a="http://schemas.openxmlformats.org/drawingml/2006/main" xmlns:r="http://schemas.openxmlformats.org/officeDocument/2006/relationships" xmlns:mc="http://schemas.openxmlformats.org/markup-compatibility/2006" xmlns:mv="urn:schemas-microsoft-com:mac:vml" xmlns:p="http://schemas.openxmlformats.org/presentationml/2006/main" mc:Ignorable="mv" mc:PreserveAttributes="mv:*" type="obj" preserve="1">
+<p:sldLayout xmlns:a="http://schemas.openxmlformats.org/drawingml/2006/main" xmlns:r="http://schemas.openxmlformats.org/officeDocument/2006/relationships" xmlns:p="http://schemas.openxmlformats.org/presentationml/2006/main" type="obj" preserve="1">
   <p:cSld name="Title and Content">
     <p:spTree>
       <p:nvGrpSpPr>
@@ -800,7 +816,7 @@
             <a:fld id="{78D16887-BF89-964C-82CA-0F55FAC85E20}" type="datetimeFigureOut">
               <a:rPr lang="en-US" smtClean="0"/>
               <a:pPr/>
-              <a:t>3/12/09</a:t>
+              <a:t>12/13/18</a:t>
             </a:fld>
             <a:endParaRPr lang="en-US"/>
           </a:p>
@@ -858,7 +874,7 @@
 </file>
 
 <file path=ppt/slideLayouts/slideLayout3.xml><?xml version="1.0" encoding="utf-8"?>
-<p:sldLayout xmlns:a="http://schemas.openxmlformats.org/drawingml/2006/main" xmlns:r="http://schemas.openxmlformats.org/officeDocument/2006/relationships" xmlns:mc="http://schemas.openxmlformats.org/markup-compatibility/2006" xmlns:mv="urn:schemas-microsoft-com:mac:vml" xmlns:p="http://schemas.openxmlformats.org/presentationml/2006/main" mc:Ignorable="mv" mc:PreserveAttributes="mv:*" type="secHead" preserve="1">
+<p:sldLayout xmlns:a="http://schemas.openxmlformats.org/drawingml/2006/main" xmlns:r="http://schemas.openxmlformats.org/officeDocument/2006/relationships" xmlns:p="http://schemas.openxmlformats.org/presentationml/2006/main" type="secHead" preserve="1">
   <p:cSld name="Section Header">
     <p:spTree>
       <p:nvGrpSpPr>
@@ -1043,7 +1059,7 @@
             <a:fld id="{78D16887-BF89-964C-82CA-0F55FAC85E20}" type="datetimeFigureOut">
               <a:rPr lang="en-US" smtClean="0"/>
               <a:pPr/>
-              <a:t>3/12/09</a:t>
+              <a:t>12/13/18</a:t>
             </a:fld>
             <a:endParaRPr lang="en-US"/>
           </a:p>
@@ -1101,7 +1117,7 @@
 </file>
 
 <file path=ppt/slideLayouts/slideLayout4.xml><?xml version="1.0" encoding="utf-8"?>
-<p:sldLayout xmlns:a="http://schemas.openxmlformats.org/drawingml/2006/main" xmlns:r="http://schemas.openxmlformats.org/officeDocument/2006/relationships" xmlns:mc="http://schemas.openxmlformats.org/markup-compatibility/2006" xmlns:mv="urn:schemas-microsoft-com:mac:vml" xmlns:p="http://schemas.openxmlformats.org/presentationml/2006/main" mc:Ignorable="mv" mc:PreserveAttributes="mv:*" type="twoObj" preserve="1">
+<p:sldLayout xmlns:a="http://schemas.openxmlformats.org/drawingml/2006/main" xmlns:r="http://schemas.openxmlformats.org/officeDocument/2006/relationships" xmlns:p="http://schemas.openxmlformats.org/presentationml/2006/main" type="twoObj" preserve="1">
   <p:cSld name="Two Content">
     <p:spTree>
       <p:nvGrpSpPr>
@@ -1328,7 +1344,7 @@
             <a:fld id="{78D16887-BF89-964C-82CA-0F55FAC85E20}" type="datetimeFigureOut">
               <a:rPr lang="en-US" smtClean="0"/>
               <a:pPr/>
-              <a:t>3/12/09</a:t>
+              <a:t>12/13/18</a:t>
             </a:fld>
             <a:endParaRPr lang="en-US"/>
           </a:p>
@@ -1386,7 +1402,7 @@
 </file>
 
 <file path=ppt/slideLayouts/slideLayout5.xml><?xml version="1.0" encoding="utf-8"?>
-<p:sldLayout xmlns:a="http://schemas.openxmlformats.org/drawingml/2006/main" xmlns:r="http://schemas.openxmlformats.org/officeDocument/2006/relationships" xmlns:mc="http://schemas.openxmlformats.org/markup-compatibility/2006" xmlns:mv="urn:schemas-microsoft-com:mac:vml" xmlns:p="http://schemas.openxmlformats.org/presentationml/2006/main" mc:Ignorable="mv" mc:PreserveAttributes="mv:*" type="twoTxTwoObj" preserve="1">
+<p:sldLayout xmlns:a="http://schemas.openxmlformats.org/drawingml/2006/main" xmlns:r="http://schemas.openxmlformats.org/officeDocument/2006/relationships" xmlns:p="http://schemas.openxmlformats.org/presentationml/2006/main" type="twoTxTwoObj" preserve="1">
   <p:cSld name="Comparison">
     <p:spTree>
       <p:nvGrpSpPr>
@@ -1747,7 +1763,7 @@
             <a:fld id="{78D16887-BF89-964C-82CA-0F55FAC85E20}" type="datetimeFigureOut">
               <a:rPr lang="en-US" smtClean="0"/>
               <a:pPr/>
-              <a:t>3/12/09</a:t>
+              <a:t>12/13/18</a:t>
             </a:fld>
             <a:endParaRPr lang="en-US"/>
           </a:p>
@@ -1805,7 +1821,7 @@
 </file>
 
 <file path=ppt/slideLayouts/slideLayout6.xml><?xml version="1.0" encoding="utf-8"?>
-<p:sldLayout xmlns:a="http://schemas.openxmlformats.org/drawingml/2006/main" xmlns:r="http://schemas.openxmlformats.org/officeDocument/2006/relationships" xmlns:mc="http://schemas.openxmlformats.org/markup-compatibility/2006" xmlns:mv="urn:schemas-microsoft-com:mac:vml" xmlns:p="http://schemas.openxmlformats.org/presentationml/2006/main" mc:Ignorable="mv" mc:PreserveAttributes="mv:*" type="titleOnly" preserve="1">
+<p:sldLayout xmlns:a="http://schemas.openxmlformats.org/drawingml/2006/main" xmlns:r="http://schemas.openxmlformats.org/officeDocument/2006/relationships" xmlns:p="http://schemas.openxmlformats.org/presentationml/2006/main" type="titleOnly" preserve="1">
   <p:cSld name="Title Only">
     <p:spTree>
       <p:nvGrpSpPr>
@@ -1862,7 +1878,7 @@
             <a:fld id="{78D16887-BF89-964C-82CA-0F55FAC85E20}" type="datetimeFigureOut">
               <a:rPr lang="en-US" smtClean="0"/>
               <a:pPr/>
-              <a:t>3/12/09</a:t>
+              <a:t>12/13/18</a:t>
             </a:fld>
             <a:endParaRPr lang="en-US"/>
           </a:p>
@@ -1920,7 +1936,7 @@
 </file>
 
 <file path=ppt/slideLayouts/slideLayout7.xml><?xml version="1.0" encoding="utf-8"?>
-<p:sldLayout xmlns:a="http://schemas.openxmlformats.org/drawingml/2006/main" xmlns:r="http://schemas.openxmlformats.org/officeDocument/2006/relationships" xmlns:mc="http://schemas.openxmlformats.org/markup-compatibility/2006" xmlns:mv="urn:schemas-microsoft-com:mac:vml" xmlns:p="http://schemas.openxmlformats.org/presentationml/2006/main" mc:Ignorable="mv" mc:PreserveAttributes="mv:*" type="blank" preserve="1">
+<p:sldLayout xmlns:a="http://schemas.openxmlformats.org/drawingml/2006/main" xmlns:r="http://schemas.openxmlformats.org/officeDocument/2006/relationships" xmlns:p="http://schemas.openxmlformats.org/presentationml/2006/main" type="blank" preserve="1">
   <p:cSld name="Blank">
     <p:spTree>
       <p:nvGrpSpPr>
@@ -1954,7 +1970,7 @@
             <a:fld id="{78D16887-BF89-964C-82CA-0F55FAC85E20}" type="datetimeFigureOut">
               <a:rPr lang="en-US" smtClean="0"/>
               <a:pPr/>
-              <a:t>3/12/09</a:t>
+              <a:t>12/13/18</a:t>
             </a:fld>
             <a:endParaRPr lang="en-US"/>
           </a:p>
@@ -2012,7 +2028,7 @@
 </file>
 
 <file path=ppt/slideLayouts/slideLayout8.xml><?xml version="1.0" encoding="utf-8"?>
-<p:sldLayout xmlns:a="http://schemas.openxmlformats.org/drawingml/2006/main" xmlns:r="http://schemas.openxmlformats.org/officeDocument/2006/relationships" xmlns:mc="http://schemas.openxmlformats.org/markup-compatibility/2006" xmlns:mv="urn:schemas-microsoft-com:mac:vml" xmlns:p="http://schemas.openxmlformats.org/presentationml/2006/main" mc:Ignorable="mv" mc:PreserveAttributes="mv:*" type="objTx" preserve="1">
+<p:sldLayout xmlns:a="http://schemas.openxmlformats.org/drawingml/2006/main" xmlns:r="http://schemas.openxmlformats.org/officeDocument/2006/relationships" xmlns:p="http://schemas.openxmlformats.org/presentationml/2006/main" type="objTx" preserve="1">
   <p:cSld name="Content with Caption">
     <p:spTree>
       <p:nvGrpSpPr>
@@ -2228,7 +2244,7 @@
             <a:fld id="{78D16887-BF89-964C-82CA-0F55FAC85E20}" type="datetimeFigureOut">
               <a:rPr lang="en-US" smtClean="0"/>
               <a:pPr/>
-              <a:t>3/12/09</a:t>
+              <a:t>12/13/18</a:t>
             </a:fld>
             <a:endParaRPr lang="en-US"/>
           </a:p>
@@ -2286,7 +2302,7 @@
 </file>
 
 <file path=ppt/slideLayouts/slideLayout9.xml><?xml version="1.0" encoding="utf-8"?>
-<p:sldLayout xmlns:a="http://schemas.openxmlformats.org/drawingml/2006/main" xmlns:r="http://schemas.openxmlformats.org/officeDocument/2006/relationships" xmlns:mc="http://schemas.openxmlformats.org/markup-compatibility/2006" xmlns:mv="urn:schemas-microsoft-com:mac:vml" xmlns:p="http://schemas.openxmlformats.org/presentationml/2006/main" mc:Ignorable="mv" mc:PreserveAttributes="mv:*" type="picTx" preserve="1">
+<p:sldLayout xmlns:a="http://schemas.openxmlformats.org/drawingml/2006/main" xmlns:r="http://schemas.openxmlformats.org/officeDocument/2006/relationships" xmlns:p="http://schemas.openxmlformats.org/presentationml/2006/main" type="picTx" preserve="1">
   <p:cSld name="Picture with Caption">
     <p:spTree>
       <p:nvGrpSpPr>
@@ -2478,7 +2494,7 @@
             <a:fld id="{78D16887-BF89-964C-82CA-0F55FAC85E20}" type="datetimeFigureOut">
               <a:rPr lang="en-US" smtClean="0"/>
               <a:pPr/>
-              <a:t>3/12/09</a:t>
+              <a:t>12/13/18</a:t>
             </a:fld>
             <a:endParaRPr lang="en-US"/>
           </a:p>
@@ -2536,7 +2552,7 @@
 </file>
 
 <file path=ppt/slideMasters/slideMaster1.xml><?xml version="1.0" encoding="utf-8"?>
-<p:sldMaster xmlns:a="http://schemas.openxmlformats.org/drawingml/2006/main" xmlns:r="http://schemas.openxmlformats.org/officeDocument/2006/relationships" xmlns:mc="http://schemas.openxmlformats.org/markup-compatibility/2006" xmlns:mv="urn:schemas-microsoft-com:mac:vml" xmlns:p="http://schemas.openxmlformats.org/presentationml/2006/main" mc:Ignorable="mv" mc:PreserveAttributes="mv:*">
+<p:sldMaster xmlns:a="http://schemas.openxmlformats.org/drawingml/2006/main" xmlns:r="http://schemas.openxmlformats.org/officeDocument/2006/relationships" xmlns:p="http://schemas.openxmlformats.org/presentationml/2006/main">
   <p:cSld>
     <p:bg>
       <p:bgRef idx="1001">
@@ -2688,7 +2704,7 @@
             <a:fld id="{78D16887-BF89-964C-82CA-0F55FAC85E20}" type="datetimeFigureOut">
               <a:rPr lang="en-US" smtClean="0"/>
               <a:pPr/>
-              <a:t>3/12/09</a:t>
+              <a:t>12/13/18</a:t>
             </a:fld>
             <a:endParaRPr lang="en-US"/>
           </a:p>
@@ -3043,7 +3059,7 @@
 </file>
 
 <file path=ppt/slides/slide1.xml><?xml version="1.0" encoding="utf-8"?>
-<p:sld xmlns:a="http://schemas.openxmlformats.org/drawingml/2006/main" xmlns:r="http://schemas.openxmlformats.org/officeDocument/2006/relationships" xmlns:mc="http://schemas.openxmlformats.org/markup-compatibility/2006" xmlns:mv="urn:schemas-microsoft-com:mac:vml" xmlns:p="http://schemas.openxmlformats.org/presentationml/2006/main" mc:Ignorable="mv" mc:PreserveAttributes="mv:*">
+<p:sld xmlns:a="http://schemas.openxmlformats.org/drawingml/2006/main" xmlns:r="http://schemas.openxmlformats.org/officeDocument/2006/relationships" xmlns:p="http://schemas.openxmlformats.org/presentationml/2006/main">
   <p:cSld>
     <p:spTree>
       <p:nvGrpSpPr>
@@ -3536,20 +3552,28 @@
               </a:rPr>
               <a:t>Appweb</a:t>
             </a:r>
+            <a:r>
+              <a:rPr lang="en-US" b="1" smtClean="0">
+                <a:solidFill>
+                  <a:schemeClr val="bg1"/>
+                </a:solidFill>
+              </a:rPr>
+              <a:t/>
+            </a:r>
             <a:br>
-              <a:rPr lang="en-US" b="1" dirty="0" smtClean="0">
+              <a:rPr lang="en-US" b="1" smtClean="0">
                 <a:solidFill>
                   <a:schemeClr val="bg1"/>
                 </a:solidFill>
               </a:rPr>
             </a:br>
             <a:r>
-              <a:rPr lang="en-US" b="1" dirty="0" smtClean="0">
+              <a:rPr lang="en-US" b="1" smtClean="0">
                 <a:solidFill>
                   <a:schemeClr val="bg1"/>
                 </a:solidFill>
               </a:rPr>
-              <a:t>Ejscript</a:t>
+              <a:t>Python</a:t>
             </a:r>
             <a:endParaRPr lang="en-US" dirty="0">
               <a:solidFill>
